--- a/slides/WSTA_L16_vsm_eval.pptx
+++ b/slides/WSTA_L16_vsm_eval.pptx
@@ -5,8 +5,11 @@
     <p:sldMasterId id="2147483661" r:id="rId1"/>
   </p:sldMasterIdLst>
   <p:notesMasterIdLst>
-    <p:notesMasterId r:id="rId26"/>
+    <p:notesMasterId r:id="rId27"/>
   </p:notesMasterIdLst>
+  <p:handoutMasterIdLst>
+    <p:handoutMasterId r:id="rId28"/>
+  </p:handoutMasterIdLst>
   <p:sldIdLst>
     <p:sldId id="256" r:id="rId2"/>
     <p:sldId id="278" r:id="rId3"/>
@@ -31,7 +34,8 @@
     <p:sldId id="305" r:id="rId22"/>
     <p:sldId id="303" r:id="rId23"/>
     <p:sldId id="306" r:id="rId24"/>
-    <p:sldId id="284" r:id="rId25"/>
+    <p:sldId id="307" r:id="rId25"/>
+    <p:sldId id="284" r:id="rId26"/>
   </p:sldIdLst>
   <p:sldSz cx="9144000" cy="6858000" type="screen4x3"/>
   <p:notesSz cx="6858000" cy="9144000"/>
@@ -138,6 +142,171 @@
 </p:presentation>
 </file>
 
+<file path=ppt/handoutMasters/handoutMaster1.xml><?xml version="1.0" encoding="utf-8"?>
+<p:handoutMaster xmlns:a="http://schemas.openxmlformats.org/drawingml/2006/main" xmlns:r="http://schemas.openxmlformats.org/officeDocument/2006/relationships" xmlns:p="http://schemas.openxmlformats.org/presentationml/2006/main">
+  <p:cSld>
+    <p:bg>
+      <p:bgRef idx="1001">
+        <a:schemeClr val="bg1"/>
+      </p:bgRef>
+    </p:bg>
+    <p:spTree>
+      <p:nvGrpSpPr>
+        <p:cNvPr id="1" name=""/>
+        <p:cNvGrpSpPr/>
+        <p:nvPr/>
+      </p:nvGrpSpPr>
+      <p:grpSpPr>
+        <a:xfrm>
+          <a:off x="0" y="0"/>
+          <a:ext cx="0" cy="0"/>
+          <a:chOff x="0" y="0"/>
+          <a:chExt cx="0" cy="0"/>
+        </a:xfrm>
+      </p:grpSpPr>
+      <p:sp>
+        <p:nvSpPr>
+          <p:cNvPr id="2" name="Header Placeholder 1"/>
+          <p:cNvSpPr>
+            <a:spLocks noGrp="1"/>
+          </p:cNvSpPr>
+          <p:nvPr>
+            <p:ph type="hdr" sz="quarter"/>
+          </p:nvPr>
+        </p:nvSpPr>
+        <p:spPr>
+          <a:xfrm>
+            <a:off x="0" y="0"/>
+            <a:ext cx="2971800" cy="458788"/>
+          </a:xfrm>
+          <a:prstGeom prst="rect">
+            <a:avLst/>
+          </a:prstGeom>
+        </p:spPr>
+        <p:txBody>
+          <a:bodyPr vert="horz" lIns="91440" tIns="45720" rIns="91440" bIns="45720" rtlCol="0"/>
+          <a:lstStyle>
+            <a:lvl1pPr algn="l">
+              <a:defRPr sz="1200"/>
+            </a:lvl1pPr>
+          </a:lstStyle>
+          <a:p>
+            <a:endParaRPr lang="en-AU"/>
+          </a:p>
+        </p:txBody>
+      </p:sp>
+      <p:sp>
+        <p:nvSpPr>
+          <p:cNvPr id="3" name="Date Placeholder 2"/>
+          <p:cNvSpPr>
+            <a:spLocks noGrp="1"/>
+          </p:cNvSpPr>
+          <p:nvPr>
+            <p:ph type="dt" sz="quarter" idx="1"/>
+          </p:nvPr>
+        </p:nvSpPr>
+        <p:spPr>
+          <a:xfrm>
+            <a:off x="3884613" y="0"/>
+            <a:ext cx="2971800" cy="458788"/>
+          </a:xfrm>
+          <a:prstGeom prst="rect">
+            <a:avLst/>
+          </a:prstGeom>
+        </p:spPr>
+        <p:txBody>
+          <a:bodyPr vert="horz" lIns="91440" tIns="45720" rIns="91440" bIns="45720" rtlCol="0"/>
+          <a:lstStyle>
+            <a:lvl1pPr algn="r">
+              <a:defRPr sz="1200"/>
+            </a:lvl1pPr>
+          </a:lstStyle>
+          <a:p>
+            <a:fld id="{FF2FB723-10FA-9941-B379-5B0F757FE7D1}" type="datetimeFigureOut">
+              <a:rPr lang="en-AU" smtClean="0"/>
+              <a:t>1/5/17</a:t>
+            </a:fld>
+            <a:endParaRPr lang="en-AU"/>
+          </a:p>
+        </p:txBody>
+      </p:sp>
+      <p:sp>
+        <p:nvSpPr>
+          <p:cNvPr id="4" name="Footer Placeholder 3"/>
+          <p:cNvSpPr>
+            <a:spLocks noGrp="1"/>
+          </p:cNvSpPr>
+          <p:nvPr>
+            <p:ph type="ftr" sz="quarter" idx="2"/>
+          </p:nvPr>
+        </p:nvSpPr>
+        <p:spPr>
+          <a:xfrm>
+            <a:off x="0" y="8685213"/>
+            <a:ext cx="2971800" cy="458787"/>
+          </a:xfrm>
+          <a:prstGeom prst="rect">
+            <a:avLst/>
+          </a:prstGeom>
+        </p:spPr>
+        <p:txBody>
+          <a:bodyPr vert="horz" lIns="91440" tIns="45720" rIns="91440" bIns="45720" rtlCol="0" anchor="b"/>
+          <a:lstStyle>
+            <a:lvl1pPr algn="l">
+              <a:defRPr sz="1200"/>
+            </a:lvl1pPr>
+          </a:lstStyle>
+          <a:p>
+            <a:endParaRPr lang="en-AU"/>
+          </a:p>
+        </p:txBody>
+      </p:sp>
+      <p:sp>
+        <p:nvSpPr>
+          <p:cNvPr id="5" name="Slide Number Placeholder 4"/>
+          <p:cNvSpPr>
+            <a:spLocks noGrp="1"/>
+          </p:cNvSpPr>
+          <p:nvPr>
+            <p:ph type="sldNum" sz="quarter" idx="3"/>
+          </p:nvPr>
+        </p:nvSpPr>
+        <p:spPr>
+          <a:xfrm>
+            <a:off x="3884613" y="8685213"/>
+            <a:ext cx="2971800" cy="458787"/>
+          </a:xfrm>
+          <a:prstGeom prst="rect">
+            <a:avLst/>
+          </a:prstGeom>
+        </p:spPr>
+        <p:txBody>
+          <a:bodyPr vert="horz" lIns="91440" tIns="45720" rIns="91440" bIns="45720" rtlCol="0" anchor="b"/>
+          <a:lstStyle>
+            <a:lvl1pPr algn="r">
+              <a:defRPr sz="1200"/>
+            </a:lvl1pPr>
+          </a:lstStyle>
+          <a:p>
+            <a:fld id="{35F187E5-72C4-A741-B64B-91F1735BB089}" type="slidenum">
+              <a:rPr lang="en-AU" smtClean="0"/>
+              <a:t>‹#›</a:t>
+            </a:fld>
+            <a:endParaRPr lang="en-AU"/>
+          </a:p>
+        </p:txBody>
+      </p:sp>
+    </p:spTree>
+    <p:extLst>
+      <p:ext uri="{BB962C8B-B14F-4D97-AF65-F5344CB8AC3E}">
+        <p14:creationId xmlns:p14="http://schemas.microsoft.com/office/powerpoint/2010/main" val="1327868992"/>
+      </p:ext>
+    </p:extLst>
+  </p:cSld>
+  <p:clrMap bg1="lt1" tx1="dk1" bg2="lt2" tx2="dk2" accent1="accent1" accent2="accent2" accent3="accent3" accent4="accent4" accent5="accent5" accent6="accent6" hlink="hlink" folHlink="folHlink"/>
+</p:handoutMaster>
+</file>
+
 <file path=ppt/notesMasters/notesMaster1.xml><?xml version="1.0" encoding="utf-8"?>
 <p:notesMaster xmlns:a="http://schemas.openxmlformats.org/drawingml/2006/main" xmlns:r="http://schemas.openxmlformats.org/officeDocument/2006/relationships" xmlns:p="http://schemas.openxmlformats.org/presentationml/2006/main">
   <p:cSld>
@@ -220,7 +389,7 @@
           <a:p>
             <a:fld id="{50A97A5B-EA5E-9E4E-B952-F7E0D0C1A3D8}" type="datetimeFigureOut">
               <a:rPr lang="en-US" smtClean="0"/>
-              <a:t>4/19/17</a:t>
+              <a:t>5/1/17</a:t>
             </a:fld>
             <a:endParaRPr lang="en-US"/>
           </a:p>
@@ -4047,11 +4216,7 @@
           <a:p>
             <a:r>
               <a:rPr lang="en-US" dirty="0" smtClean="0"/>
-              <a:t>comp90042 lecture </a:t>
-            </a:r>
-            <a:r>
-              <a:rPr lang="en-US" dirty="0" smtClean="0"/>
-              <a:t>16</a:t>
+              <a:t>comp90042 lecture 16</a:t>
             </a:r>
             <a:endParaRPr lang="en-US" dirty="0"/>
           </a:p>
@@ -4239,6 +4404,13 @@
     <a:masterClrMapping/>
   </p:clrMapOvr>
   <p:transition spd="med"/>
+  <p:timing>
+    <p:tnLst>
+      <p:par>
+        <p:cTn id="1" dur="indefinite" restart="never" nodeType="tmRoot"/>
+      </p:par>
+    </p:tnLst>
+  </p:timing>
 </p:sld>
 </file>
 
@@ -4271,7 +4443,9 @@
         </p:nvSpPr>
         <p:spPr/>
         <p:txBody>
-          <a:bodyPr/>
+          <a:bodyPr>
+            <a:normAutofit lnSpcReduction="10000"/>
+          </a:bodyPr>
           <a:lstStyle/>
           <a:p>
             <a:r>
@@ -4302,7 +4476,11 @@
             </a:r>
             <a:r>
               <a:rPr lang="en-US" i="1" dirty="0" smtClean="0"/>
-              <a:t>posting list</a:t>
+              <a:t>posting </a:t>
+            </a:r>
+            <a:r>
+              <a:rPr lang="en-US" i="1" dirty="0" smtClean="0"/>
+              <a:t>list</a:t>
             </a:r>
           </a:p>
           <a:p>
@@ -4319,7 +4497,23 @@
           </a:p>
           <a:p>
             <a:pPr lvl="1"/>
-            <a:endParaRPr lang="en-US" i="1" dirty="0" smtClean="0"/>
+            <a:endParaRPr lang="en-US" i="1" dirty="0"/>
+          </a:p>
+          <a:p>
+            <a:pPr lvl="1"/>
+            <a:r>
+              <a:rPr lang="en-US" dirty="0" smtClean="0"/>
+              <a:t>weights listed might be </a:t>
+            </a:r>
+            <a:r>
+              <a:rPr lang="en-US" dirty="0" err="1" smtClean="0"/>
+              <a:t>normalised</a:t>
+            </a:r>
+            <a:r>
+              <a:rPr lang="en-US" dirty="0" smtClean="0"/>
+              <a:t> TF*IDF values, e.g.</a:t>
+            </a:r>
+            <a:endParaRPr lang="en-US" dirty="0" smtClean="0"/>
           </a:p>
           <a:p>
             <a:r>
@@ -4380,7 +4574,7 @@
         </p:blipFill>
         <p:spPr>
           <a:xfrm>
-            <a:off x="1706082" y="3346917"/>
+            <a:off x="1753699" y="3056872"/>
             <a:ext cx="6008437" cy="1895866"/>
           </a:xfrm>
           <a:prstGeom prst="rect">
@@ -4399,6 +4593,13 @@
     <a:masterClrMapping/>
   </p:clrMapOvr>
   <p:transition spd="med"/>
+  <p:timing>
+    <p:tnLst>
+      <p:par>
+        <p:cTn id="1" dur="indefinite" restart="never" nodeType="tmRoot"/>
+      </p:par>
+    </p:tnLst>
+  </p:timing>
 </p:sld>
 </file>
 
@@ -4466,6 +4667,108 @@
           </a:prstGeom>
         </p:spPr>
       </p:pic>
+      <p:sp>
+        <p:nvSpPr>
+          <p:cNvPr id="5" name="TextBox 4"/>
+          <p:cNvSpPr txBox="1"/>
+          <p:nvPr/>
+        </p:nvSpPr>
+        <p:spPr>
+          <a:xfrm>
+            <a:off x="7189161" y="4181180"/>
+            <a:ext cx="1787704" cy="1025922"/>
+          </a:xfrm>
+          <a:prstGeom prst="rect">
+            <a:avLst/>
+          </a:prstGeom>
+          <a:ln/>
+        </p:spPr>
+        <p:style>
+          <a:lnRef idx="2">
+            <a:schemeClr val="accent4">
+              <a:shade val="50000"/>
+            </a:schemeClr>
+          </a:lnRef>
+          <a:fillRef idx="1">
+            <a:schemeClr val="accent4"/>
+          </a:fillRef>
+          <a:effectRef idx="0">
+            <a:schemeClr val="accent4"/>
+          </a:effectRef>
+          <a:fontRef idx="minor">
+            <a:schemeClr val="lt1"/>
+          </a:fontRef>
+        </p:style>
+        <p:txBody>
+          <a:bodyPr rot="0" spcFirstLastPara="1" vertOverflow="overflow" horzOverflow="overflow" vert="horz" wrap="square" lIns="50800" tIns="50800" rIns="50800" bIns="50800" numCol="1" spcCol="38100" rtlCol="0" anchor="ctr">
+            <a:spAutoFit/>
+          </a:bodyPr>
+          <a:lstStyle/>
+          <a:p>
+            <a:pPr marL="0" marR="0" indent="0" algn="l" defTabSz="584200" rtl="0" fontAlgn="auto" latinLnBrk="0" hangingPunct="0">
+              <a:lnSpc>
+                <a:spcPct val="100000"/>
+              </a:lnSpc>
+              <a:spcAft>
+                <a:spcPts val="0"/>
+              </a:spcAft>
+              <a:buClrTx/>
+              <a:buSzTx/>
+              <a:buFontTx/>
+              <a:buNone/>
+              <a:tabLst/>
+            </a:pPr>
+            <a:r>
+              <a:rPr kumimoji="0" lang="en-AU" sz="2000" b="0" i="0" u="none" strike="noStrike" cap="none" spc="0" normalizeH="0" baseline="0" dirty="0" smtClean="0">
+                <a:ln>
+                  <a:noFill/>
+                </a:ln>
+                <a:solidFill>
+                  <a:srgbClr val="838787"/>
+                </a:solidFill>
+                <a:effectLst/>
+                <a:uFillTx/>
+                <a:latin typeface="Avenir Next Medium"/>
+                <a:ea typeface="Avenir Next Medium"/>
+                <a:cs typeface="Avenir Next Medium"/>
+                <a:sym typeface="Avenir Next Medium"/>
+              </a:rPr>
+              <a:t>What</a:t>
+            </a:r>
+            <a:r>
+              <a:rPr kumimoji="0" lang="en-AU" sz="2000" b="0" i="0" u="none" strike="noStrike" cap="none" spc="0" normalizeH="0" dirty="0" smtClean="0">
+                <a:ln>
+                  <a:noFill/>
+                </a:ln>
+                <a:solidFill>
+                  <a:srgbClr val="838787"/>
+                </a:solidFill>
+                <a:effectLst/>
+                <a:uFillTx/>
+                <a:latin typeface="Avenir Next Medium"/>
+                <a:ea typeface="Avenir Next Medium"/>
+                <a:cs typeface="Avenir Next Medium"/>
+                <a:sym typeface="Avenir Next Medium"/>
+              </a:rPr>
+              <a:t> about query magnitude?</a:t>
+            </a:r>
+            <a:endParaRPr kumimoji="0" lang="en-AU" sz="2000" b="0" i="0" u="none" strike="noStrike" cap="none" spc="0" normalizeH="0" baseline="0" dirty="0">
+              <a:ln>
+                <a:noFill/>
+              </a:ln>
+              <a:solidFill>
+                <a:srgbClr val="838787"/>
+              </a:solidFill>
+              <a:effectLst/>
+              <a:uFillTx/>
+              <a:latin typeface="Avenir Next Medium"/>
+              <a:ea typeface="Avenir Next Medium"/>
+              <a:cs typeface="Avenir Next Medium"/>
+              <a:sym typeface="Avenir Next Medium"/>
+            </a:endParaRPr>
+          </a:p>
+        </p:txBody>
+      </p:sp>
     </p:spTree>
     <p:extLst>
       <p:ext uri="{BB962C8B-B14F-4D97-AF65-F5344CB8AC3E}">
@@ -4477,6 +4780,84 @@
     <a:masterClrMapping/>
   </p:clrMapOvr>
   <p:transition spd="med"/>
+  <p:timing>
+    <p:tnLst>
+      <p:par>
+        <p:cTn id="1" dur="indefinite" restart="never" nodeType="tmRoot">
+          <p:childTnLst>
+            <p:seq concurrent="1" nextAc="seek">
+              <p:cTn id="2" dur="indefinite" nodeType="mainSeq">
+                <p:childTnLst>
+                  <p:par>
+                    <p:cTn id="3" fill="hold">
+                      <p:stCondLst>
+                        <p:cond delay="indefinite"/>
+                      </p:stCondLst>
+                      <p:childTnLst>
+                        <p:par>
+                          <p:cTn id="4" fill="hold">
+                            <p:stCondLst>
+                              <p:cond delay="0"/>
+                            </p:stCondLst>
+                            <p:childTnLst>
+                              <p:par>
+                                <p:cTn id="5" presetID="1" presetClass="entr" presetSubtype="0" fill="hold" grpId="0" nodeType="clickEffect">
+                                  <p:stCondLst>
+                                    <p:cond delay="0"/>
+                                  </p:stCondLst>
+                                  <p:childTnLst>
+                                    <p:set>
+                                      <p:cBhvr>
+                                        <p:cTn id="6" dur="1" fill="hold">
+                                          <p:stCondLst>
+                                            <p:cond delay="0"/>
+                                          </p:stCondLst>
+                                        </p:cTn>
+                                        <p:tgtEl>
+                                          <p:spTgt spid="5"/>
+                                        </p:tgtEl>
+                                        <p:attrNameLst>
+                                          <p:attrName>style.visibility</p:attrName>
+                                        </p:attrNameLst>
+                                      </p:cBhvr>
+                                      <p:to>
+                                        <p:strVal val="visible"/>
+                                      </p:to>
+                                    </p:set>
+                                  </p:childTnLst>
+                                </p:cTn>
+                              </p:par>
+                            </p:childTnLst>
+                          </p:cTn>
+                        </p:par>
+                      </p:childTnLst>
+                    </p:cTn>
+                  </p:par>
+                </p:childTnLst>
+              </p:cTn>
+              <p:prevCondLst>
+                <p:cond evt="onPrev" delay="0">
+                  <p:tgtEl>
+                    <p:sldTgt/>
+                  </p:tgtEl>
+                </p:cond>
+              </p:prevCondLst>
+              <p:nextCondLst>
+                <p:cond evt="onNext" delay="0">
+                  <p:tgtEl>
+                    <p:sldTgt/>
+                  </p:tgtEl>
+                </p:cond>
+              </p:nextCondLst>
+            </p:seq>
+          </p:childTnLst>
+        </p:cTn>
+      </p:par>
+    </p:tnLst>
+    <p:bldLst>
+      <p:bldP spid="5" grpId="0" animBg="1"/>
+    </p:bldLst>
+  </p:timing>
 </p:sld>
 </file>
 
@@ -4510,7 +4891,7 @@
         <p:spPr/>
         <p:txBody>
           <a:bodyPr>
-            <a:normAutofit fontScale="92500" lnSpcReduction="10000"/>
+            <a:normAutofit fontScale="92500" lnSpcReduction="20000"/>
           </a:bodyPr>
           <a:lstStyle/>
           <a:p>
@@ -4563,31 +4944,50 @@
             </a:r>
           </a:p>
           <a:p>
+            <a:r>
+              <a:rPr lang="en-US" dirty="0"/>
+              <a:t>I</a:t>
+            </a:r>
+            <a:r>
+              <a:rPr lang="en-US" dirty="0" smtClean="0"/>
+              <a:t>nstead </a:t>
+            </a:r>
+            <a:r>
+              <a:rPr lang="en-US" dirty="0" smtClean="0"/>
+              <a:t>record </a:t>
+            </a:r>
+            <a:r>
+              <a:rPr lang="en-US" dirty="0" smtClean="0"/>
+              <a:t>separately</a:t>
+            </a:r>
+            <a:r>
+              <a:rPr lang="en-US" dirty="0" smtClean="0"/>
+              <a:t>:</a:t>
+            </a:r>
+          </a:p>
+          <a:p>
             <a:pPr lvl="1"/>
             <a:r>
               <a:rPr lang="en-US" dirty="0" smtClean="0"/>
-              <a:t>instead record separately:</a:t>
-            </a:r>
-          </a:p>
-          <a:p>
-            <a:pPr lvl="2"/>
-            <a:r>
-              <a:rPr lang="en-US" dirty="0" smtClean="0"/>
               <a:t>raw count data in postings lists; </a:t>
             </a:r>
           </a:p>
           <a:p>
-            <a:pPr lvl="2"/>
+            <a:pPr lvl="1"/>
             <a:r>
               <a:rPr lang="en-US" dirty="0" smtClean="0"/>
               <a:t>document frequency for each term; and </a:t>
             </a:r>
           </a:p>
           <a:p>
-            <a:pPr lvl="2"/>
-            <a:r>
-              <a:rPr lang="en-US" dirty="0" smtClean="0"/>
-              <a:t>document length </a:t>
+            <a:pPr lvl="1"/>
+            <a:r>
+              <a:rPr lang="en-US" dirty="0" smtClean="0"/>
+              <a:t>document </a:t>
+            </a:r>
+            <a:r>
+              <a:rPr lang="en-US" dirty="0" smtClean="0"/>
+              <a:t>length </a:t>
             </a:r>
             <a:r>
               <a:rPr lang="en-US" dirty="0" err="1" smtClean="0"/>
@@ -4617,11 +5017,7 @@
           <a:p>
             <a:r>
               <a:rPr lang="en-US" dirty="0" smtClean="0"/>
-              <a:t>efficient storage of </a:t>
-            </a:r>
-            <a:r>
-              <a:rPr lang="en-US" dirty="0" smtClean="0"/>
-              <a:t>Inv. index</a:t>
+              <a:t>efficient storage of Inv. index</a:t>
             </a:r>
             <a:endParaRPr lang="en-US" dirty="0"/>
           </a:p>
@@ -4638,6 +5034,13 @@
     <a:masterClrMapping/>
   </p:clrMapOvr>
   <p:transition spd="med"/>
+  <p:timing>
+    <p:tnLst>
+      <p:par>
+        <p:cTn id="1" dur="indefinite" restart="never" nodeType="tmRoot"/>
+      </p:par>
+    </p:tnLst>
+  </p:timing>
 </p:sld>
 </file>
 
@@ -4800,6 +5203,13 @@
     <a:masterClrMapping/>
   </p:clrMapOvr>
   <p:transition spd="med"/>
+  <p:timing>
+    <p:tnLst>
+      <p:par>
+        <p:cTn id="1" dur="indefinite" restart="never" nodeType="tmRoot"/>
+      </p:par>
+    </p:tnLst>
+  </p:timing>
 </p:sld>
 </file>
 
@@ -4866,7 +5276,11 @@
           <a:p>
             <a:r>
               <a:rPr lang="en-US" dirty="0" smtClean="0"/>
-              <a:t>A little more computation in inner loop, but supports more compact storage. </a:t>
+              <a:t>A little more computation in inner loop, but supports more compact </a:t>
+            </a:r>
+            <a:r>
+              <a:rPr lang="en-US" dirty="0" smtClean="0"/>
+              <a:t>storage. </a:t>
             </a:r>
             <a:endParaRPr lang="en-US" dirty="0"/>
           </a:p>
@@ -4889,11 +5303,7 @@
           <a:p>
             <a:r>
               <a:rPr lang="en-US" dirty="0" smtClean="0"/>
-              <a:t>querying in space </a:t>
-            </a:r>
-            <a:r>
-              <a:rPr lang="en-US" dirty="0" smtClean="0"/>
-              <a:t>efficient index</a:t>
+              <a:t>querying in space efficient index</a:t>
             </a:r>
             <a:endParaRPr lang="en-US" dirty="0"/>
           </a:p>
@@ -4934,6 +5344,13 @@
     <a:masterClrMapping/>
   </p:clrMapOvr>
   <p:transition spd="med"/>
+  <p:timing>
+    <p:tnLst>
+      <p:par>
+        <p:cTn id="1" dur="indefinite" restart="never" nodeType="tmRoot"/>
+      </p:par>
+    </p:tnLst>
+  </p:timing>
 </p:sld>
 </file>
 
@@ -5093,6 +5510,13 @@
     <a:masterClrMapping/>
   </p:clrMapOvr>
   <p:transition spd="med"/>
+  <p:timing>
+    <p:tnLst>
+      <p:par>
+        <p:cTn id="1" dur="indefinite" restart="never" nodeType="tmRoot"/>
+      </p:par>
+    </p:tnLst>
+  </p:timing>
 </p:sld>
 </file>
 
@@ -5220,6 +5644,13 @@
     <a:masterClrMapping/>
   </p:clrMapOvr>
   <p:transition spd="med"/>
+  <p:timing>
+    <p:tnLst>
+      <p:par>
+        <p:cTn id="1" dur="indefinite" restart="never" nodeType="tmRoot"/>
+      </p:par>
+    </p:tnLst>
+  </p:timing>
 </p:sld>
 </file>
 
@@ -5341,6 +5772,13 @@
     <a:masterClrMapping/>
   </p:clrMapOvr>
   <p:transition spd="med"/>
+  <p:timing>
+    <p:tnLst>
+      <p:par>
+        <p:cTn id="1" dur="indefinite" restart="never" nodeType="tmRoot"/>
+      </p:par>
+    </p:tnLst>
+  </p:timing>
 </p:sld>
 </file>
 
@@ -5461,6 +5899,13 @@
     <a:masterClrMapping/>
   </p:clrMapOvr>
   <p:transition spd="med"/>
+  <p:timing>
+    <p:tnLst>
+      <p:par>
+        <p:cTn id="1" dur="indefinite" restart="never" nodeType="tmRoot"/>
+      </p:par>
+    </p:tnLst>
+  </p:timing>
 </p:sld>
 </file>
 
@@ -5696,6 +6141,13 @@
     <a:masterClrMapping/>
   </p:clrMapOvr>
   <p:transition spd="med"/>
+  <p:timing>
+    <p:tnLst>
+      <p:par>
+        <p:cTn id="1" dur="indefinite" restart="never" nodeType="tmRoot"/>
+      </p:par>
+    </p:tnLst>
+  </p:timing>
 </p:sld>
 </file>
 
@@ -5806,6 +6258,13 @@
     <a:masterClrMapping/>
   </p:clrMapOvr>
   <p:transition spd="med"/>
+  <p:timing>
+    <p:tnLst>
+      <p:par>
+        <p:cTn id="1" dur="indefinite" restart="never" nodeType="tmRoot"/>
+      </p:par>
+    </p:tnLst>
+  </p:timing>
 </p:sld>
 </file>
 
@@ -5911,6 +6370,13 @@
     <a:masterClrMapping/>
   </p:clrMapOvr>
   <p:transition spd="med"/>
+  <p:timing>
+    <p:tnLst>
+      <p:par>
+        <p:cTn id="1" dur="indefinite" restart="never" nodeType="tmRoot"/>
+      </p:par>
+    </p:tnLst>
+  </p:timing>
 </p:sld>
 </file>
 
@@ -5944,7 +6410,7 @@
         <p:spPr/>
         <p:txBody>
           <a:bodyPr>
-            <a:normAutofit fontScale="92500" lnSpcReduction="10000"/>
+            <a:normAutofit lnSpcReduction="10000"/>
           </a:bodyPr>
           <a:lstStyle/>
           <a:p>
@@ -5972,7 +6438,6 @@
               <a:rPr lang="en-US" dirty="0" smtClean="0"/>
               <a:t>how to deal with ranked outputs?</a:t>
             </a:r>
-            <a:endParaRPr lang="en-US" dirty="0" smtClean="0"/>
           </a:p>
           <a:p>
             <a:r>
@@ -5983,16 +6448,27 @@
           <a:p>
             <a:pPr lvl="1"/>
             <a:r>
-              <a:rPr lang="en-US" dirty="0" smtClean="0"/>
-              <a:t>precision @ k: compute precision using only ranks 1 .. k</a:t>
-            </a:r>
-            <a:endParaRPr lang="en-US" dirty="0" smtClean="0"/>
+              <a:rPr lang="en-US" b="1" dirty="0" smtClean="0"/>
+              <a:t>precision @ k</a:t>
+            </a:r>
+            <a:r>
+              <a:rPr lang="en-US" dirty="0" smtClean="0"/>
+              <a:t>: compute precision using only ranks 1 .. k</a:t>
+            </a:r>
           </a:p>
           <a:p>
             <a:pPr lvl="1"/>
             <a:r>
               <a:rPr lang="en-US" dirty="0" smtClean="0"/>
-              <a:t>(mean) average precision: take average over </a:t>
+              <a:t>(mean) </a:t>
+            </a:r>
+            <a:r>
+              <a:rPr lang="en-US" b="1" dirty="0" smtClean="0"/>
+              <a:t>average precision</a:t>
+            </a:r>
+            <a:r>
+              <a:rPr lang="en-US" dirty="0" smtClean="0"/>
+              <a:t>: take average over </a:t>
             </a:r>
             <a:r>
               <a:rPr lang="en-US" dirty="0" err="1" smtClean="0"/>
@@ -6000,26 +6476,50 @@
             </a:r>
             <a:r>
               <a:rPr lang="en-US" dirty="0" smtClean="0"/>
-              <a:t> for various k values; measure becomes </a:t>
+              <a:t> for various k </a:t>
+            </a:r>
+            <a:r>
+              <a:rPr lang="en-US" dirty="0" smtClean="0"/>
+              <a:t>values</a:t>
+            </a:r>
+            <a:r>
+              <a:rPr lang="en-US" dirty="0" smtClean="0"/>
+              <a:t>; measure becomes </a:t>
             </a:r>
             <a:r>
               <a:rPr lang="en-US" i="1" dirty="0" smtClean="0"/>
-              <a:t>rank sensitive</a:t>
+              <a:t>rank </a:t>
+            </a:r>
+            <a:r>
+              <a:rPr lang="en-US" i="1" dirty="0" smtClean="0"/>
+              <a:t>sensitive</a:t>
             </a:r>
           </a:p>
           <a:p>
             <a:pPr lvl="1"/>
             <a:r>
+              <a:rPr lang="en-US" b="1" dirty="0" smtClean="0"/>
+              <a:t>mean reciprocal rank </a:t>
+            </a:r>
+            <a:r>
+              <a:rPr lang="en-US" dirty="0" smtClean="0"/>
+              <a:t>(</a:t>
+            </a:r>
+            <a:r>
               <a:rPr lang="en-US" dirty="0" err="1" smtClean="0"/>
-              <a:t>normalised</a:t>
-            </a:r>
-            <a:r>
-              <a:rPr lang="en-US" dirty="0" smtClean="0"/>
-              <a:t> discounted cumulative gain (NDCG): information theoretic measure, allowing non-binary </a:t>
-            </a:r>
-            <a:r>
-              <a:rPr lang="en-US" dirty="0" err="1" smtClean="0"/>
-              <a:t>Qrels</a:t>
+              <a:t>mrr</a:t>
+            </a:r>
+            <a:r>
+              <a:rPr lang="en-US" dirty="0" smtClean="0"/>
+              <a:t>): average over the </a:t>
+            </a:r>
+            <a:r>
+              <a:rPr lang="en-US" i="1" dirty="0" smtClean="0"/>
+              <a:t>ranks </a:t>
+            </a:r>
+            <a:r>
+              <a:rPr lang="en-US" dirty="0" smtClean="0"/>
+              <a:t>of relevant docs</a:t>
             </a:r>
             <a:endParaRPr lang="en-US" dirty="0" smtClean="0"/>
           </a:p>
@@ -6059,10 +6559,189 @@
     <a:masterClrMapping/>
   </p:clrMapOvr>
   <p:transition spd="med"/>
+  <p:timing>
+    <p:tnLst>
+      <p:par>
+        <p:cTn id="1" dur="indefinite" restart="never" nodeType="tmRoot"/>
+      </p:par>
+    </p:tnLst>
+  </p:timing>
 </p:sld>
 </file>
 
 <file path=ppt/slides/slide24.xml><?xml version="1.0" encoding="utf-8"?>
+<p:sld xmlns:a="http://schemas.openxmlformats.org/drawingml/2006/main" xmlns:r="http://schemas.openxmlformats.org/officeDocument/2006/relationships" xmlns:p="http://schemas.openxmlformats.org/presentationml/2006/main">
+  <p:cSld>
+    <p:spTree>
+      <p:nvGrpSpPr>
+        <p:cNvPr id="1" name=""/>
+        <p:cNvGrpSpPr/>
+        <p:nvPr/>
+      </p:nvGrpSpPr>
+      <p:grpSpPr>
+        <a:xfrm>
+          <a:off x="0" y="0"/>
+          <a:ext cx="0" cy="0"/>
+          <a:chOff x="0" y="0"/>
+          <a:chExt cx="0" cy="0"/>
+        </a:xfrm>
+      </p:grpSpPr>
+      <p:sp>
+        <p:nvSpPr>
+          <p:cNvPr id="2" name="Content Placeholder 1"/>
+          <p:cNvSpPr>
+            <a:spLocks noGrp="1"/>
+          </p:cNvSpPr>
+          <p:nvPr>
+            <p:ph idx="1"/>
+          </p:nvPr>
+        </p:nvSpPr>
+        <p:spPr>
+          <a:xfrm>
+            <a:off x="389475" y="1469270"/>
+            <a:ext cx="8572500" cy="4746595"/>
+          </a:xfrm>
+        </p:spPr>
+        <p:txBody>
+          <a:bodyPr>
+            <a:normAutofit fontScale="92500" lnSpcReduction="10000"/>
+          </a:bodyPr>
+          <a:lstStyle/>
+          <a:p>
+            <a:r>
+              <a:rPr lang="en-AU" dirty="0" smtClean="0"/>
+              <a:t>Relevance vector</a:t>
+            </a:r>
+            <a:br>
+              <a:rPr lang="en-AU" dirty="0" smtClean="0"/>
+            </a:br>
+            <a:r>
+              <a:rPr lang="en-AU" dirty="0" smtClean="0"/>
+              <a:t>	</a:t>
+            </a:r>
+            <a:r>
+              <a:rPr lang="en-AU" sz="2400" dirty="0" smtClean="0"/>
+              <a:t>	</a:t>
+            </a:r>
+            <a:br>
+              <a:rPr lang="en-AU" sz="2400" dirty="0" smtClean="0"/>
+            </a:br>
+            <a:r>
+              <a:rPr lang="en-AU" sz="2400" dirty="0" smtClean="0"/>
+              <a:t>		</a:t>
+            </a:r>
+            <a:r>
+              <a:rPr lang="en-AU" sz="2400" dirty="0" smtClean="0">
+                <a:latin typeface="Courier New" charset="0"/>
+                <a:ea typeface="Courier New" charset="0"/>
+                <a:cs typeface="Courier New" charset="0"/>
+              </a:rPr>
+              <a:t>&lt; 1, 0, 0, 0, 0, 1, 0, 1, 0, 0 &gt;</a:t>
+            </a:r>
+          </a:p>
+          <a:p>
+            <a:r>
+              <a:rPr lang="en-AU" dirty="0" smtClean="0"/>
+              <a:t>Precision</a:t>
+            </a:r>
+          </a:p>
+          <a:p>
+            <a:pPr lvl="1"/>
+            <a:r>
+              <a:rPr lang="en-AU" dirty="0" smtClean="0"/>
+              <a:t>P@1 = 1/1	P@2 = ½ 	P@3 = 1/3	P@4 = ¼	</a:t>
+            </a:r>
+            <a:br>
+              <a:rPr lang="en-AU" dirty="0" smtClean="0"/>
+            </a:br>
+            <a:r>
+              <a:rPr lang="en-AU" dirty="0" smtClean="0"/>
+              <a:t>P@5 = 1/5	P@6 = 2/6 	P@7 = 2/7 	P@8 = 3/8</a:t>
+            </a:r>
+            <a:r>
+              <a:rPr lang="en-AU" dirty="0"/>
+              <a:t/>
+            </a:r>
+            <a:br>
+              <a:rPr lang="en-AU" dirty="0"/>
+            </a:br>
+            <a:r>
+              <a:rPr lang="en-AU" dirty="0" smtClean="0"/>
+              <a:t>P@9 = 3/9	P@10 = 3/10</a:t>
+            </a:r>
+          </a:p>
+          <a:p>
+            <a:r>
+              <a:rPr lang="en-AU" dirty="0" err="1" smtClean="0"/>
+              <a:t>AveP</a:t>
+            </a:r>
+            <a:r>
+              <a:rPr lang="en-AU" dirty="0" smtClean="0"/>
+              <a:t> = 1/10 * (sum of above) = 0.391</a:t>
+            </a:r>
+          </a:p>
+          <a:p>
+            <a:r>
+              <a:rPr lang="en-AU" dirty="0" smtClean="0"/>
+              <a:t>MRR = 1/10 * ( 1/1 + 1/6 + 1/8 ) = 0.129</a:t>
+            </a:r>
+          </a:p>
+          <a:p>
+            <a:pPr marL="0" indent="0">
+              <a:buNone/>
+            </a:pPr>
+            <a:r>
+              <a:rPr lang="en-AU" dirty="0" smtClean="0"/>
+              <a:t>Results then averaged over all queries in test collection.</a:t>
+            </a:r>
+          </a:p>
+        </p:txBody>
+      </p:sp>
+      <p:sp>
+        <p:nvSpPr>
+          <p:cNvPr id="3" name="Title 2"/>
+          <p:cNvSpPr>
+            <a:spLocks noGrp="1"/>
+          </p:cNvSpPr>
+          <p:nvPr>
+            <p:ph type="title"/>
+          </p:nvPr>
+        </p:nvSpPr>
+        <p:spPr/>
+        <p:txBody>
+          <a:bodyPr/>
+          <a:lstStyle/>
+          <a:p>
+            <a:r>
+              <a:rPr lang="en-AU" dirty="0" smtClean="0"/>
+              <a:t>Relevance example</a:t>
+            </a:r>
+            <a:endParaRPr lang="en-AU" dirty="0"/>
+          </a:p>
+        </p:txBody>
+      </p:sp>
+    </p:spTree>
+    <p:extLst>
+      <p:ext uri="{BB962C8B-B14F-4D97-AF65-F5344CB8AC3E}">
+        <p14:creationId xmlns:p14="http://schemas.microsoft.com/office/powerpoint/2010/main" val="1113200687"/>
+      </p:ext>
+    </p:extLst>
+  </p:cSld>
+  <p:clrMapOvr>
+    <a:masterClrMapping/>
+  </p:clrMapOvr>
+  <p:transition spd="med"/>
+  <p:timing>
+    <p:tnLst>
+      <p:par>
+        <p:cTn id="1" dur="indefinite" restart="never" nodeType="tmRoot"/>
+      </p:par>
+    </p:tnLst>
+  </p:timing>
+</p:sld>
+</file>
+
+<file path=ppt/slides/slide25.xml><?xml version="1.0" encoding="utf-8"?>
 <p:sld xmlns:a="http://schemas.openxmlformats.org/drawingml/2006/main" xmlns:r="http://schemas.openxmlformats.org/officeDocument/2006/relationships" xmlns:p="http://schemas.openxmlformats.org/presentationml/2006/main">
   <p:cSld>
     <p:spTree>
@@ -6121,15 +6800,11 @@
             </a:r>
             <a:r>
               <a:rPr lang="en-US" dirty="0" smtClean="0"/>
-              <a:t> and </a:t>
-            </a:r>
-            <a:r>
-              <a:rPr lang="en-US" dirty="0" smtClean="0"/>
-              <a:t>(M)</a:t>
-            </a:r>
-            <a:r>
-              <a:rPr lang="en-US" dirty="0" smtClean="0"/>
-              <a:t>AP </a:t>
+              <a:t>, </a:t>
+            </a:r>
+            <a:r>
+              <a:rPr lang="en-US" dirty="0" smtClean="0"/>
+              <a:t>(M)AP, MRR </a:t>
             </a:r>
             <a:r>
               <a:rPr lang="en-US" dirty="0" smtClean="0"/>
@@ -6198,6 +6873,13 @@
     <a:masterClrMapping/>
   </p:clrMapOvr>
   <p:transition spd="med"/>
+  <p:timing>
+    <p:tnLst>
+      <p:par>
+        <p:cTn id="1" dur="indefinite" restart="never" nodeType="tmRoot"/>
+      </p:par>
+    </p:tnLst>
+  </p:timing>
 </p:sld>
 </file>
 
@@ -6297,11 +6979,7 @@
             </a:r>
             <a:r>
               <a:rPr lang="en-US" smtClean="0"/>
-              <a:t>: </a:t>
-            </a:r>
-            <a:r>
-              <a:rPr lang="en-US" smtClean="0"/>
-              <a:t>doc. </a:t>
+              <a:t>: doc. </a:t>
             </a:r>
             <a:r>
               <a:rPr lang="en-US" dirty="0" smtClean="0"/>
@@ -6492,6 +7170,137 @@
           </a:prstGeom>
         </p:spPr>
       </p:pic>
+      <p:sp>
+        <p:nvSpPr>
+          <p:cNvPr id="4" name="TextBox 3"/>
+          <p:cNvSpPr txBox="1"/>
+          <p:nvPr/>
+        </p:nvSpPr>
+        <p:spPr>
+          <a:xfrm>
+            <a:off x="301623" y="2332279"/>
+            <a:ext cx="1787704" cy="1641475"/>
+          </a:xfrm>
+          <a:prstGeom prst="rect">
+            <a:avLst/>
+          </a:prstGeom>
+          <a:ln/>
+        </p:spPr>
+        <p:style>
+          <a:lnRef idx="2">
+            <a:schemeClr val="accent4">
+              <a:shade val="50000"/>
+            </a:schemeClr>
+          </a:lnRef>
+          <a:fillRef idx="1">
+            <a:schemeClr val="accent4"/>
+          </a:fillRef>
+          <a:effectRef idx="0">
+            <a:schemeClr val="accent4"/>
+          </a:effectRef>
+          <a:fontRef idx="minor">
+            <a:schemeClr val="lt1"/>
+          </a:fontRef>
+        </p:style>
+        <p:txBody>
+          <a:bodyPr rot="0" spcFirstLastPara="1" vertOverflow="overflow" horzOverflow="overflow" vert="horz" wrap="square" lIns="50800" tIns="50800" rIns="50800" bIns="50800" numCol="1" spcCol="38100" rtlCol="0" anchor="ctr">
+            <a:spAutoFit/>
+          </a:bodyPr>
+          <a:lstStyle/>
+          <a:p>
+            <a:pPr marL="0" marR="0" indent="0" algn="l" defTabSz="584200" rtl="0" fontAlgn="auto" latinLnBrk="0" hangingPunct="0">
+              <a:lnSpc>
+                <a:spcPct val="100000"/>
+              </a:lnSpc>
+              <a:spcAft>
+                <a:spcPts val="0"/>
+              </a:spcAft>
+              <a:buClrTx/>
+              <a:buSzTx/>
+              <a:buFontTx/>
+              <a:buNone/>
+              <a:tabLst/>
+            </a:pPr>
+            <a:r>
+              <a:rPr lang="en-AU" sz="2000" dirty="0">
+                <a:solidFill>
+                  <a:srgbClr val="838787"/>
+                </a:solidFill>
+                <a:latin typeface="Avenir Next Medium"/>
+                <a:ea typeface="Avenir Next Medium"/>
+                <a:cs typeface="Avenir Next Medium"/>
+                <a:sym typeface="Avenir Next Medium"/>
+              </a:rPr>
+              <a:t>U</a:t>
+            </a:r>
+            <a:r>
+              <a:rPr kumimoji="0" lang="en-AU" sz="2000" b="0" i="0" u="none" strike="noStrike" cap="none" spc="0" normalizeH="0" dirty="0" smtClean="0">
+                <a:ln>
+                  <a:noFill/>
+                </a:ln>
+                <a:solidFill>
+                  <a:srgbClr val="838787"/>
+                </a:solidFill>
+                <a:effectLst/>
+                <a:uFillTx/>
+                <a:latin typeface="Avenir Next Medium"/>
+                <a:ea typeface="Avenir Next Medium"/>
+                <a:cs typeface="Avenir Next Medium"/>
+                <a:sym typeface="Avenir Next Medium"/>
+              </a:rPr>
+              <a:t>sing </a:t>
+            </a:r>
+            <a:r>
+              <a:rPr kumimoji="0" lang="en-AU" sz="2000" b="0" i="0" u="none" strike="noStrike" cap="none" spc="0" normalizeH="0" baseline="0" dirty="0" smtClean="0">
+                <a:ln>
+                  <a:noFill/>
+                </a:ln>
+                <a:solidFill>
+                  <a:srgbClr val="838787"/>
+                </a:solidFill>
+                <a:effectLst/>
+                <a:uFillTx/>
+                <a:latin typeface="Avenir Next Medium"/>
+                <a:ea typeface="Avenir Next Medium"/>
+                <a:cs typeface="Avenir Next Medium"/>
+                <a:sym typeface="Avenir Next Medium"/>
+              </a:rPr>
+              <a:t>raw term</a:t>
+            </a:r>
+            <a:r>
+              <a:rPr kumimoji="0" lang="en-AU" sz="2000" b="0" i="0" u="none" strike="noStrike" cap="none" spc="0" normalizeH="0" dirty="0" smtClean="0">
+                <a:ln>
+                  <a:noFill/>
+                </a:ln>
+                <a:solidFill>
+                  <a:srgbClr val="838787"/>
+                </a:solidFill>
+                <a:effectLst/>
+                <a:uFillTx/>
+                <a:latin typeface="Avenir Next Medium"/>
+                <a:ea typeface="Avenir Next Medium"/>
+                <a:cs typeface="Avenir Next Medium"/>
+                <a:sym typeface="Avenir Next Medium"/>
+              </a:rPr>
+              <a:t> frequencies, and no IDF component</a:t>
+            </a:r>
+            <a:endParaRPr kumimoji="0" lang="en-AU" sz="2000" b="0" i="0" u="none" strike="noStrike" cap="none" spc="0" normalizeH="0" baseline="0" dirty="0">
+              <a:ln>
+                <a:noFill/>
+              </a:ln>
+              <a:solidFill>
+                <a:srgbClr val="838787"/>
+              </a:solidFill>
+              <a:effectLst/>
+              <a:uFillTx/>
+              <a:latin typeface="Avenir Next Medium"/>
+              <a:ea typeface="Avenir Next Medium"/>
+              <a:cs typeface="Avenir Next Medium"/>
+              <a:sym typeface="Avenir Next Medium"/>
+            </a:endParaRPr>
+          </a:p>
+        </p:txBody>
+      </p:sp>
     </p:spTree>
     <p:extLst>
       <p:ext uri="{BB962C8B-B14F-4D97-AF65-F5344CB8AC3E}">
@@ -6503,6 +7312,13 @@
     <a:masterClrMapping/>
   </p:clrMapOvr>
   <p:transition spd="med"/>
+  <p:timing>
+    <p:tnLst>
+      <p:par>
+        <p:cTn id="1" dur="indefinite" restart="never" nodeType="tmRoot"/>
+      </p:par>
+    </p:tnLst>
+  </p:timing>
 </p:sld>
 </file>
 
@@ -6540,7 +7356,19 @@
           <a:p>
             <a:r>
               <a:rPr lang="en-US" dirty="0" smtClean="0"/>
-              <a:t>Example</a:t>
+              <a:t>Example (</a:t>
+            </a:r>
+            <a:r>
+              <a:rPr lang="en-US" dirty="0" err="1" smtClean="0"/>
+              <a:t>cont</a:t>
+            </a:r>
+            <a:r>
+              <a:rPr lang="en-US" dirty="0" smtClean="0"/>
+              <a:t>) - </a:t>
+            </a:r>
+            <a:r>
+              <a:rPr lang="en-US" dirty="0" err="1" smtClean="0"/>
+              <a:t>normalisation</a:t>
             </a:r>
             <a:endParaRPr lang="en-US" dirty="0"/>
           </a:p>
@@ -6581,6 +7409,13 @@
     <a:masterClrMapping/>
   </p:clrMapOvr>
   <p:transition spd="med"/>
+  <p:timing>
+    <p:tnLst>
+      <p:par>
+        <p:cTn id="1" dur="indefinite" restart="never" nodeType="tmRoot"/>
+      </p:par>
+    </p:tnLst>
+  </p:timing>
 </p:sld>
 </file>
 
@@ -6697,6 +7532,13 @@
     <a:masterClrMapping/>
   </p:clrMapOvr>
   <p:transition spd="med"/>
+  <p:timing>
+    <p:tnLst>
+      <p:par>
+        <p:cTn id="1" dur="indefinite" restart="never" nodeType="tmRoot"/>
+      </p:par>
+    </p:tnLst>
+  </p:timing>
 </p:sld>
 </file>
 
@@ -6744,13 +7586,21 @@
           <a:p>
             <a:pPr lvl="1"/>
             <a:r>
-              <a:rPr lang="en-US" dirty="0" err="1" smtClean="0"/>
-              <a:t>Zeros</a:t>
-            </a:r>
-            <a:r>
-              <a:rPr lang="en-US" dirty="0" smtClean="0"/>
-              <a:t> common with real data and large vocabularies</a:t>
-            </a:r>
+              <a:rPr lang="en-US" dirty="0" smtClean="0"/>
+              <a:t>Zeros common with real data and large </a:t>
+            </a:r>
+            <a:r>
+              <a:rPr lang="en-US" dirty="0" smtClean="0"/>
+              <a:t>vocabularies</a:t>
+            </a:r>
+          </a:p>
+          <a:p>
+            <a:pPr lvl="1"/>
+            <a:r>
+              <a:rPr lang="en-US" dirty="0" smtClean="0"/>
+              <a:t>Also true of other weightings, e.g., log TF and TF*IDF </a:t>
+            </a:r>
+            <a:endParaRPr lang="en-US" dirty="0" smtClean="0"/>
           </a:p>
           <a:p>
             <a:pPr marL="514350" indent="-514350">
@@ -6807,6 +7657,13 @@
     <a:masterClrMapping/>
   </p:clrMapOvr>
   <p:transition spd="med"/>
+  <p:timing>
+    <p:tnLst>
+      <p:par>
+        <p:cTn id="1" dur="indefinite" restart="never" nodeType="tmRoot"/>
+      </p:par>
+    </p:tnLst>
+  </p:timing>
 </p:sld>
 </file>
 
@@ -6922,6 +7779,13 @@
     <a:masterClrMapping/>
   </p:clrMapOvr>
   <p:transition spd="med"/>
+  <p:timing>
+    <p:tnLst>
+      <p:par>
+        <p:cTn id="1" dur="indefinite" restart="never" nodeType="tmRoot"/>
+      </p:par>
+    </p:tnLst>
+  </p:timing>
 </p:sld>
 </file>
 
@@ -8259,4 +9123,265 @@
     </a:ext>
   </a:extLst>
 </a:theme>
+</file>
+
+<file path=ppt/theme/theme3.xml><?xml version="1.0" encoding="utf-8"?>
+<a:theme xmlns:a="http://schemas.openxmlformats.org/drawingml/2006/main" name="Office Theme">
+  <a:themeElements>
+    <a:clrScheme name="Office">
+      <a:dk1>
+        <a:sysClr val="windowText" lastClr="000000"/>
+      </a:dk1>
+      <a:lt1>
+        <a:sysClr val="window" lastClr="FFFFFF"/>
+      </a:lt1>
+      <a:dk2>
+        <a:srgbClr val="44546A"/>
+      </a:dk2>
+      <a:lt2>
+        <a:srgbClr val="E7E6E6"/>
+      </a:lt2>
+      <a:accent1>
+        <a:srgbClr val="4472C4"/>
+      </a:accent1>
+      <a:accent2>
+        <a:srgbClr val="ED7D31"/>
+      </a:accent2>
+      <a:accent3>
+        <a:srgbClr val="A5A5A5"/>
+      </a:accent3>
+      <a:accent4>
+        <a:srgbClr val="FFC000"/>
+      </a:accent4>
+      <a:accent5>
+        <a:srgbClr val="5B9BD5"/>
+      </a:accent5>
+      <a:accent6>
+        <a:srgbClr val="70AD47"/>
+      </a:accent6>
+      <a:hlink>
+        <a:srgbClr val="0563C1"/>
+      </a:hlink>
+      <a:folHlink>
+        <a:srgbClr val="954F72"/>
+      </a:folHlink>
+    </a:clrScheme>
+    <a:fontScheme name="Office">
+      <a:majorFont>
+        <a:latin typeface="Calibri Light" panose="020F0302020204030204"/>
+        <a:ea typeface=""/>
+        <a:cs typeface=""/>
+        <a:font script="Jpan" typeface="Yu Gothic Light"/>
+        <a:font script="Hang" typeface="맑은 고딕"/>
+        <a:font script="Hans" typeface="DengXian Light"/>
+        <a:font script="Hant" typeface="新細明體"/>
+        <a:font script="Arab" typeface="Times New Roman"/>
+        <a:font script="Hebr" typeface="Times New Roman"/>
+        <a:font script="Thai" typeface="Angsana New"/>
+        <a:font script="Ethi" typeface="Nyala"/>
+        <a:font script="Beng" typeface="Vrinda"/>
+        <a:font script="Gujr" typeface="Shruti"/>
+        <a:font script="Khmr" typeface="MoolBoran"/>
+        <a:font script="Knda" typeface="Tunga"/>
+        <a:font script="Guru" typeface="Raavi"/>
+        <a:font script="Cans" typeface="Euphemia"/>
+        <a:font script="Cher" typeface="Plantagenet Cherokee"/>
+        <a:font script="Yiii" typeface="Microsoft Yi Baiti"/>
+        <a:font script="Tibt" typeface="Microsoft Himalaya"/>
+        <a:font script="Thaa" typeface="MV Boli"/>
+        <a:font script="Deva" typeface="Mangal"/>
+        <a:font script="Telu" typeface="Gautami"/>
+        <a:font script="Taml" typeface="Latha"/>
+        <a:font script="Syrc" typeface="Estrangelo Edessa"/>
+        <a:font script="Orya" typeface="Kalinga"/>
+        <a:font script="Mlym" typeface="Kartika"/>
+        <a:font script="Laoo" typeface="DokChampa"/>
+        <a:font script="Sinh" typeface="Iskoola Pota"/>
+        <a:font script="Mong" typeface="Mongolian Baiti"/>
+        <a:font script="Viet" typeface="Times New Roman"/>
+        <a:font script="Uigh" typeface="Microsoft Uighur"/>
+        <a:font script="Geor" typeface="Sylfaen"/>
+      </a:majorFont>
+      <a:minorFont>
+        <a:latin typeface="Calibri" panose="020F0502020204030204"/>
+        <a:ea typeface=""/>
+        <a:cs typeface=""/>
+        <a:font script="Jpan" typeface="Yu Gothic"/>
+        <a:font script="Hang" typeface="맑은 고딕"/>
+        <a:font script="Hans" typeface="DengXian"/>
+        <a:font script="Hant" typeface="新細明體"/>
+        <a:font script="Arab" typeface="Arial"/>
+        <a:font script="Hebr" typeface="Arial"/>
+        <a:font script="Thai" typeface="Cordia New"/>
+        <a:font script="Ethi" typeface="Nyala"/>
+        <a:font script="Beng" typeface="Vrinda"/>
+        <a:font script="Gujr" typeface="Shruti"/>
+        <a:font script="Khmr" typeface="DaunPenh"/>
+        <a:font script="Knda" typeface="Tunga"/>
+        <a:font script="Guru" typeface="Raavi"/>
+        <a:font script="Cans" typeface="Euphemia"/>
+        <a:font script="Cher" typeface="Plantagenet Cherokee"/>
+        <a:font script="Yiii" typeface="Microsoft Yi Baiti"/>
+        <a:font script="Tibt" typeface="Microsoft Himalaya"/>
+        <a:font script="Thaa" typeface="MV Boli"/>
+        <a:font script="Deva" typeface="Mangal"/>
+        <a:font script="Telu" typeface="Gautami"/>
+        <a:font script="Taml" typeface="Latha"/>
+        <a:font script="Syrc" typeface="Estrangelo Edessa"/>
+        <a:font script="Orya" typeface="Kalinga"/>
+        <a:font script="Mlym" typeface="Kartika"/>
+        <a:font script="Laoo" typeface="DokChampa"/>
+        <a:font script="Sinh" typeface="Iskoola Pota"/>
+        <a:font script="Mong" typeface="Mongolian Baiti"/>
+        <a:font script="Viet" typeface="Arial"/>
+        <a:font script="Uigh" typeface="Microsoft Uighur"/>
+        <a:font script="Geor" typeface="Sylfaen"/>
+      </a:minorFont>
+    </a:fontScheme>
+    <a:fmtScheme name="Office">
+      <a:fillStyleLst>
+        <a:solidFill>
+          <a:schemeClr val="phClr"/>
+        </a:solidFill>
+        <a:gradFill rotWithShape="1">
+          <a:gsLst>
+            <a:gs pos="0">
+              <a:schemeClr val="phClr">
+                <a:lumMod val="110000"/>
+                <a:satMod val="105000"/>
+                <a:tint val="67000"/>
+              </a:schemeClr>
+            </a:gs>
+            <a:gs pos="50000">
+              <a:schemeClr val="phClr">
+                <a:lumMod val="105000"/>
+                <a:satMod val="103000"/>
+                <a:tint val="73000"/>
+              </a:schemeClr>
+            </a:gs>
+            <a:gs pos="100000">
+              <a:schemeClr val="phClr">
+                <a:lumMod val="105000"/>
+                <a:satMod val="109000"/>
+                <a:tint val="81000"/>
+              </a:schemeClr>
+            </a:gs>
+          </a:gsLst>
+          <a:lin ang="5400000" scaled="0"/>
+        </a:gradFill>
+        <a:gradFill rotWithShape="1">
+          <a:gsLst>
+            <a:gs pos="0">
+              <a:schemeClr val="phClr">
+                <a:satMod val="103000"/>
+                <a:lumMod val="102000"/>
+                <a:tint val="94000"/>
+              </a:schemeClr>
+            </a:gs>
+            <a:gs pos="50000">
+              <a:schemeClr val="phClr">
+                <a:satMod val="110000"/>
+                <a:lumMod val="100000"/>
+                <a:shade val="100000"/>
+              </a:schemeClr>
+            </a:gs>
+            <a:gs pos="100000">
+              <a:schemeClr val="phClr">
+                <a:lumMod val="99000"/>
+                <a:satMod val="120000"/>
+                <a:shade val="78000"/>
+              </a:schemeClr>
+            </a:gs>
+          </a:gsLst>
+          <a:lin ang="5400000" scaled="0"/>
+        </a:gradFill>
+      </a:fillStyleLst>
+      <a:lnStyleLst>
+        <a:ln w="6350" cap="flat" cmpd="sng" algn="ctr">
+          <a:solidFill>
+            <a:schemeClr val="phClr"/>
+          </a:solidFill>
+          <a:prstDash val="solid"/>
+          <a:miter lim="800000"/>
+        </a:ln>
+        <a:ln w="12700" cap="flat" cmpd="sng" algn="ctr">
+          <a:solidFill>
+            <a:schemeClr val="phClr"/>
+          </a:solidFill>
+          <a:prstDash val="solid"/>
+          <a:miter lim="800000"/>
+        </a:ln>
+        <a:ln w="19050" cap="flat" cmpd="sng" algn="ctr">
+          <a:solidFill>
+            <a:schemeClr val="phClr"/>
+          </a:solidFill>
+          <a:prstDash val="solid"/>
+          <a:miter lim="800000"/>
+        </a:ln>
+      </a:lnStyleLst>
+      <a:effectStyleLst>
+        <a:effectStyle>
+          <a:effectLst/>
+        </a:effectStyle>
+        <a:effectStyle>
+          <a:effectLst/>
+        </a:effectStyle>
+        <a:effectStyle>
+          <a:effectLst>
+            <a:outerShdw blurRad="57150" dist="19050" dir="5400000" algn="ctr" rotWithShape="0">
+              <a:srgbClr val="000000">
+                <a:alpha val="63000"/>
+              </a:srgbClr>
+            </a:outerShdw>
+          </a:effectLst>
+        </a:effectStyle>
+      </a:effectStyleLst>
+      <a:bgFillStyleLst>
+        <a:solidFill>
+          <a:schemeClr val="phClr"/>
+        </a:solidFill>
+        <a:solidFill>
+          <a:schemeClr val="phClr">
+            <a:tint val="95000"/>
+            <a:satMod val="170000"/>
+          </a:schemeClr>
+        </a:solidFill>
+        <a:gradFill rotWithShape="1">
+          <a:gsLst>
+            <a:gs pos="0">
+              <a:schemeClr val="phClr">
+                <a:tint val="93000"/>
+                <a:satMod val="150000"/>
+                <a:shade val="98000"/>
+                <a:lumMod val="102000"/>
+              </a:schemeClr>
+            </a:gs>
+            <a:gs pos="50000">
+              <a:schemeClr val="phClr">
+                <a:tint val="98000"/>
+                <a:satMod val="130000"/>
+                <a:shade val="90000"/>
+                <a:lumMod val="103000"/>
+              </a:schemeClr>
+            </a:gs>
+            <a:gs pos="100000">
+              <a:schemeClr val="phClr">
+                <a:shade val="63000"/>
+                <a:satMod val="120000"/>
+              </a:schemeClr>
+            </a:gs>
+          </a:gsLst>
+          <a:lin ang="5400000" scaled="0"/>
+        </a:gradFill>
+      </a:bgFillStyleLst>
+    </a:fmtScheme>
+  </a:themeElements>
+  <a:objectDefaults/>
+  <a:extraClrSchemeLst/>
+  <a:extLst>
+    <a:ext uri="{05A4C25C-085E-4340-85A3-A5531E510DB2}">
+      <thm15:themeFamily xmlns:thm15="http://schemas.microsoft.com/office/thememl/2012/main" name="Office Theme" id="{62F939B6-93AF-4DB8-9C6B-D6C7DFDC589F}" vid="{4A3C46E8-61CC-4603-A589-7422A47A8E4A}"/>
+    </a:ext>
+  </a:extLst>
+</a:theme>
 </file>
--- a/slides/WSTA_L16_vsm_eval.pptx
+++ b/slides/WSTA_L16_vsm_eval.pptx
@@ -224,7 +224,7 @@
           <a:p>
             <a:fld id="{FF2FB723-10FA-9941-B379-5B0F757FE7D1}" type="datetimeFigureOut">
               <a:rPr lang="en-AU" smtClean="0"/>
-              <a:t>1/5/17</a:t>
+              <a:t>5/5/17</a:t>
             </a:fld>
             <a:endParaRPr lang="en-AU"/>
           </a:p>
@@ -389,7 +389,7 @@
           <a:p>
             <a:fld id="{50A97A5B-EA5E-9E4E-B952-F7E0D0C1A3D8}" type="datetimeFigureOut">
               <a:rPr lang="en-US" smtClean="0"/>
-              <a:t>5/1/17</a:t>
+              <a:t>5/5/17</a:t>
             </a:fld>
             <a:endParaRPr lang="en-US"/>
           </a:p>
@@ -4476,11 +4476,7 @@
             </a:r>
             <a:r>
               <a:rPr lang="en-US" i="1" dirty="0" smtClean="0"/>
-              <a:t>posting </a:t>
-            </a:r>
-            <a:r>
-              <a:rPr lang="en-US" i="1" dirty="0" smtClean="0"/>
-              <a:t>list</a:t>
+              <a:t>posting list</a:t>
             </a:r>
           </a:p>
           <a:p>
@@ -4513,7 +4509,6 @@
               <a:rPr lang="en-US" dirty="0" smtClean="0"/>
               <a:t> TF*IDF values, e.g.</a:t>
             </a:r>
-            <a:endParaRPr lang="en-US" dirty="0" smtClean="0"/>
           </a:p>
           <a:p>
             <a:r>
@@ -4950,19 +4945,7 @@
             </a:r>
             <a:r>
               <a:rPr lang="en-US" dirty="0" smtClean="0"/>
-              <a:t>nstead </a:t>
-            </a:r>
-            <a:r>
-              <a:rPr lang="en-US" dirty="0" smtClean="0"/>
-              <a:t>record </a:t>
-            </a:r>
-            <a:r>
-              <a:rPr lang="en-US" dirty="0" smtClean="0"/>
-              <a:t>separately</a:t>
-            </a:r>
-            <a:r>
-              <a:rPr lang="en-US" dirty="0" smtClean="0"/>
-              <a:t>:</a:t>
+              <a:t>nstead record separately:</a:t>
             </a:r>
           </a:p>
           <a:p>
@@ -4983,11 +4966,7 @@
             <a:pPr lvl="1"/>
             <a:r>
               <a:rPr lang="en-US" dirty="0" smtClean="0"/>
-              <a:t>document </a:t>
-            </a:r>
-            <a:r>
-              <a:rPr lang="en-US" dirty="0" smtClean="0"/>
-              <a:t>length </a:t>
+              <a:t>document length </a:t>
             </a:r>
             <a:r>
               <a:rPr lang="en-US" dirty="0" err="1" smtClean="0"/>
@@ -5276,11 +5255,7 @@
           <a:p>
             <a:r>
               <a:rPr lang="en-US" dirty="0" smtClean="0"/>
-              <a:t>A little more computation in inner loop, but supports more compact </a:t>
-            </a:r>
-            <a:r>
-              <a:rPr lang="en-US" dirty="0" smtClean="0"/>
-              <a:t>storage. </a:t>
+              <a:t>A little more computation in inner loop, but supports more compact storage. </a:t>
             </a:r>
             <a:endParaRPr lang="en-US" dirty="0"/>
           </a:p>
@@ -6410,7 +6385,7 @@
         <p:spPr/>
         <p:txBody>
           <a:bodyPr>
-            <a:normAutofit lnSpcReduction="10000"/>
+            <a:normAutofit fontScale="92500" lnSpcReduction="10000"/>
           </a:bodyPr>
           <a:lstStyle/>
           <a:p>
@@ -6476,52 +6451,104 @@
             </a:r>
             <a:r>
               <a:rPr lang="en-US" dirty="0" smtClean="0"/>
-              <a:t> for various k </a:t>
-            </a:r>
-            <a:r>
-              <a:rPr lang="en-US" dirty="0" smtClean="0"/>
-              <a:t>values</a:t>
-            </a:r>
-            <a:r>
-              <a:rPr lang="en-US" dirty="0" smtClean="0"/>
-              <a:t>; measure becomes </a:t>
+              <a:t> </a:t>
+            </a:r>
+            <a:r>
+              <a:rPr lang="en-US" dirty="0" smtClean="0"/>
+              <a:t>for each k </a:t>
+            </a:r>
+            <a:r>
+              <a:rPr lang="en-US" dirty="0" smtClean="0">
+                <a:solidFill>
+                  <a:srgbClr val="FF0000"/>
+                </a:solidFill>
+              </a:rPr>
+              <a:t>where rank k is relevant</a:t>
+            </a:r>
+            <a:r>
+              <a:rPr lang="en-US" dirty="0" smtClean="0"/>
+              <a:t>; </a:t>
+            </a:r>
+            <a:r>
+              <a:rPr lang="en-US" dirty="0" smtClean="0"/>
+              <a:t>measure becomes </a:t>
             </a:r>
             <a:r>
               <a:rPr lang="en-US" i="1" dirty="0" smtClean="0"/>
+              <a:t>rank sensitive</a:t>
+            </a:r>
+          </a:p>
+          <a:p>
+            <a:pPr lvl="1"/>
+            <a:r>
+              <a:rPr lang="en-US" dirty="0" smtClean="0">
+                <a:solidFill>
+                  <a:srgbClr val="FF0000"/>
+                </a:solidFill>
+              </a:rPr>
+              <a:t>(mean)</a:t>
+            </a:r>
+            <a:r>
+              <a:rPr lang="en-US" b="1" dirty="0" smtClean="0">
+                <a:solidFill>
+                  <a:srgbClr val="FF0000"/>
+                </a:solidFill>
+              </a:rPr>
+              <a:t> </a:t>
+            </a:r>
+            <a:r>
+              <a:rPr lang="en-US" b="1" dirty="0" smtClean="0">
+                <a:solidFill>
+                  <a:srgbClr val="FF0000"/>
+                </a:solidFill>
+              </a:rPr>
+              <a:t>reciprocal </a:t>
+            </a:r>
+            <a:r>
+              <a:rPr lang="en-US" b="1" dirty="0" smtClean="0">
+                <a:solidFill>
+                  <a:srgbClr val="FF0000"/>
+                </a:solidFill>
+              </a:rPr>
+              <a:t>rank</a:t>
+            </a:r>
+            <a:r>
+              <a:rPr lang="en-US" dirty="0" smtClean="0">
+                <a:solidFill>
+                  <a:srgbClr val="FF0000"/>
+                </a:solidFill>
+              </a:rPr>
+              <a:t>: 1/</a:t>
+            </a:r>
+            <a:r>
+              <a:rPr lang="en-US" i="1" dirty="0" smtClean="0">
+                <a:solidFill>
+                  <a:srgbClr val="FF0000"/>
+                </a:solidFill>
+              </a:rPr>
               <a:t>rank </a:t>
             </a:r>
             <a:r>
-              <a:rPr lang="en-US" i="1" dirty="0" smtClean="0"/>
-              <a:t>sensitive</a:t>
-            </a:r>
-          </a:p>
-          <a:p>
-            <a:pPr lvl="1"/>
-            <a:r>
-              <a:rPr lang="en-US" b="1" dirty="0" smtClean="0"/>
-              <a:t>mean reciprocal rank </a:t>
-            </a:r>
-            <a:r>
-              <a:rPr lang="en-US" dirty="0" smtClean="0"/>
-              <a:t>(</a:t>
-            </a:r>
-            <a:r>
-              <a:rPr lang="en-US" dirty="0" err="1" smtClean="0"/>
-              <a:t>mrr</a:t>
-            </a:r>
-            <a:r>
-              <a:rPr lang="en-US" dirty="0" smtClean="0"/>
-              <a:t>): average over the </a:t>
-            </a:r>
-            <a:r>
-              <a:rPr lang="en-US" i="1" dirty="0" smtClean="0"/>
-              <a:t>ranks </a:t>
-            </a:r>
-            <a:r>
-              <a:rPr lang="en-US" dirty="0" smtClean="0"/>
-              <a:t>of relevant docs</a:t>
-            </a:r>
-            <a:endParaRPr lang="en-US" dirty="0" smtClean="0"/>
+              <a:rPr lang="en-US" dirty="0" smtClean="0">
+                <a:solidFill>
+                  <a:srgbClr val="FF0000"/>
+                </a:solidFill>
+              </a:rPr>
+              <a:t>of </a:t>
+            </a:r>
+            <a:r>
+              <a:rPr lang="en-US" dirty="0" smtClean="0">
+                <a:solidFill>
+                  <a:srgbClr val="FF0000"/>
+                </a:solidFill>
+              </a:rPr>
+              <a:t>the first relevant doc </a:t>
+            </a:r>
+            <a:endParaRPr lang="en-US" dirty="0" smtClean="0">
+              <a:solidFill>
+                <a:srgbClr val="FF0000"/>
+              </a:solidFill>
+            </a:endParaRPr>
           </a:p>
         </p:txBody>
       </p:sp>
@@ -6545,6 +6572,142 @@
               <a:t>relevance measures</a:t>
             </a:r>
             <a:endParaRPr lang="en-US" dirty="0"/>
+          </a:p>
+        </p:txBody>
+      </p:sp>
+      <p:sp>
+        <p:nvSpPr>
+          <p:cNvPr id="4" name="TextBox 3"/>
+          <p:cNvSpPr txBox="1"/>
+          <p:nvPr/>
+        </p:nvSpPr>
+        <p:spPr>
+          <a:xfrm>
+            <a:off x="6517758" y="2874726"/>
+            <a:ext cx="2232837" cy="718145"/>
+          </a:xfrm>
+          <a:prstGeom prst="rect">
+            <a:avLst/>
+          </a:prstGeom>
+          <a:solidFill>
+            <a:schemeClr val="accent5">
+              <a:lumMod val="20000"/>
+              <a:lumOff val="80000"/>
+            </a:schemeClr>
+          </a:solidFill>
+          <a:ln w="12700" cap="flat">
+            <a:noFill/>
+            <a:miter lim="400000"/>
+          </a:ln>
+          <a:effectLst/>
+          <a:sp3d/>
+        </p:spPr>
+        <p:style>
+          <a:lnRef idx="0">
+            <a:scrgbClr r="0" g="0" b="0"/>
+          </a:lnRef>
+          <a:fillRef idx="0">
+            <a:scrgbClr r="0" g="0" b="0"/>
+          </a:fillRef>
+          <a:effectRef idx="0">
+            <a:scrgbClr r="0" g="0" b="0"/>
+          </a:effectRef>
+          <a:fontRef idx="none"/>
+        </p:style>
+        <p:txBody>
+          <a:bodyPr rot="0" spcFirstLastPara="1" vertOverflow="overflow" horzOverflow="overflow" vert="horz" wrap="square" lIns="50800" tIns="50800" rIns="50800" bIns="50800" numCol="1" spcCol="38100" rtlCol="0" anchor="ctr">
+            <a:spAutoFit/>
+          </a:bodyPr>
+          <a:lstStyle/>
+          <a:p>
+            <a:pPr marL="0" marR="0" indent="0" algn="l" defTabSz="584200" rtl="0" fontAlgn="auto" latinLnBrk="0" hangingPunct="0">
+              <a:lnSpc>
+                <a:spcPct val="100000"/>
+              </a:lnSpc>
+              <a:spcAft>
+                <a:spcPts val="0"/>
+              </a:spcAft>
+              <a:buClrTx/>
+              <a:buSzTx/>
+              <a:buFontTx/>
+              <a:buNone/>
+              <a:tabLst/>
+            </a:pPr>
+            <a:r>
+              <a:rPr lang="en-US" sz="2000" dirty="0" smtClean="0">
+                <a:solidFill>
+                  <a:srgbClr val="FF0000"/>
+                </a:solidFill>
+                <a:latin typeface="Avenir Next Medium"/>
+                <a:ea typeface="Avenir Next Medium"/>
+                <a:cs typeface="Avenir Next Medium"/>
+                <a:sym typeface="Avenir Next Medium"/>
+              </a:rPr>
+              <a:t>edited to correct</a:t>
+            </a:r>
+          </a:p>
+          <a:p>
+            <a:pPr marL="0" marR="0" indent="0" algn="l" defTabSz="584200" rtl="0" fontAlgn="auto" latinLnBrk="0" hangingPunct="0">
+              <a:lnSpc>
+                <a:spcPct val="100000"/>
+              </a:lnSpc>
+              <a:spcAft>
+                <a:spcPts val="0"/>
+              </a:spcAft>
+              <a:buClrTx/>
+              <a:buSzTx/>
+              <a:buFontTx/>
+              <a:buNone/>
+              <a:tabLst/>
+            </a:pPr>
+            <a:r>
+              <a:rPr kumimoji="0" lang="en-US" sz="2000" b="0" i="0" u="none" strike="noStrike" cap="none" spc="0" normalizeH="0" baseline="0" dirty="0" smtClean="0">
+                <a:ln>
+                  <a:noFill/>
+                </a:ln>
+                <a:solidFill>
+                  <a:srgbClr val="FF0000"/>
+                </a:solidFill>
+                <a:effectLst/>
+                <a:uFillTx/>
+                <a:latin typeface="Avenir Next Medium"/>
+                <a:ea typeface="Avenir Next Medium"/>
+                <a:cs typeface="Avenir Next Medium"/>
+                <a:sym typeface="Avenir Next Medium"/>
+              </a:rPr>
+              <a:t>error</a:t>
+            </a:r>
+            <a:r>
+              <a:rPr kumimoji="0" lang="en-US" sz="2000" b="0" i="0" u="none" strike="noStrike" cap="none" spc="0" normalizeH="0" dirty="0" smtClean="0">
+                <a:ln>
+                  <a:noFill/>
+                </a:ln>
+                <a:solidFill>
+                  <a:srgbClr val="FF0000"/>
+                </a:solidFill>
+                <a:effectLst/>
+                <a:uFillTx/>
+                <a:latin typeface="Avenir Next Medium"/>
+                <a:ea typeface="Avenir Next Medium"/>
+                <a:cs typeface="Avenir Next Medium"/>
+                <a:sym typeface="Avenir Next Medium"/>
+              </a:rPr>
+              <a:t> 5/5/17</a:t>
+            </a:r>
+            <a:endParaRPr kumimoji="0" lang="en-US" sz="2000" b="0" i="0" u="none" strike="noStrike" cap="none" spc="0" normalizeH="0" baseline="0" dirty="0">
+              <a:ln>
+                <a:noFill/>
+              </a:ln>
+              <a:solidFill>
+                <a:srgbClr val="FF0000"/>
+              </a:solidFill>
+              <a:effectLst/>
+              <a:uFillTx/>
+              <a:latin typeface="Avenir Next Medium"/>
+              <a:ea typeface="Avenir Next Medium"/>
+              <a:cs typeface="Avenir Next Medium"/>
+              <a:sym typeface="Avenir Next Medium"/>
+            </a:endParaRPr>
           </a:p>
         </p:txBody>
       </p:sp>
@@ -6672,19 +6835,73 @@
           </a:p>
           <a:p>
             <a:r>
-              <a:rPr lang="en-AU" dirty="0" err="1" smtClean="0"/>
+              <a:rPr lang="en-AU" dirty="0" err="1" smtClean="0">
+                <a:solidFill>
+                  <a:srgbClr val="FF0000"/>
+                </a:solidFill>
+              </a:rPr>
               <a:t>AveP</a:t>
             </a:r>
             <a:r>
-              <a:rPr lang="en-AU" dirty="0" smtClean="0"/>
-              <a:t> = 1/10 * (sum of above) = 0.391</a:t>
-            </a:r>
-          </a:p>
-          <a:p>
-            <a:r>
-              <a:rPr lang="en-AU" dirty="0" smtClean="0"/>
-              <a:t>MRR = 1/10 * ( 1/1 + 1/6 + 1/8 ) = 0.129</a:t>
-            </a:r>
+              <a:rPr lang="en-AU" dirty="0" smtClean="0">
+                <a:solidFill>
+                  <a:srgbClr val="FF0000"/>
+                </a:solidFill>
+              </a:rPr>
+              <a:t> = </a:t>
+            </a:r>
+            <a:r>
+              <a:rPr lang="en-AU" dirty="0" smtClean="0">
+                <a:solidFill>
+                  <a:srgbClr val="FF0000"/>
+                </a:solidFill>
+              </a:rPr>
+              <a:t>1/3 *(P@1 + P@6 + P@8) = 0.57</a:t>
+            </a:r>
+            <a:endParaRPr lang="en-AU" dirty="0" smtClean="0">
+              <a:solidFill>
+                <a:srgbClr val="FF0000"/>
+              </a:solidFill>
+            </a:endParaRPr>
+          </a:p>
+          <a:p>
+            <a:r>
+              <a:rPr lang="en-AU" dirty="0" err="1" smtClean="0">
+                <a:solidFill>
+                  <a:srgbClr val="FF0000"/>
+                </a:solidFill>
+              </a:rPr>
+              <a:t>RRank</a:t>
+            </a:r>
+            <a:r>
+              <a:rPr lang="en-AU" dirty="0" smtClean="0">
+                <a:solidFill>
+                  <a:srgbClr val="FF0000"/>
+                </a:solidFill>
+              </a:rPr>
+              <a:t> </a:t>
+            </a:r>
+            <a:r>
+              <a:rPr lang="en-AU" dirty="0" smtClean="0">
+                <a:solidFill>
+                  <a:srgbClr val="FF0000"/>
+                </a:solidFill>
+              </a:rPr>
+              <a:t>= </a:t>
+            </a:r>
+            <a:r>
+              <a:rPr lang="en-AU" dirty="0" smtClean="0">
+                <a:solidFill>
+                  <a:srgbClr val="FF0000"/>
+                </a:solidFill>
+              </a:rPr>
+              <a:t>1/rank of best = 1</a:t>
+            </a:r>
+            <a:endParaRPr lang="en-AU" dirty="0" smtClean="0">
+              <a:solidFill>
+                <a:srgbClr val="FF0000"/>
+              </a:solidFill>
+            </a:endParaRPr>
           </a:p>
           <a:p>
             <a:pPr marL="0" indent="0">
@@ -6692,7 +6909,15 @@
             </a:pPr>
             <a:r>
               <a:rPr lang="en-AU" dirty="0" smtClean="0"/>
-              <a:t>Results then averaged over all queries in test collection.</a:t>
+              <a:t>Results then </a:t>
+            </a:r>
+            <a:r>
+              <a:rPr lang="en-AU" dirty="0" smtClean="0"/>
+              <a:t>averaged </a:t>
+            </a:r>
+            <a:r>
+              <a:rPr lang="en-AU" dirty="0" smtClean="0"/>
+              <a:t>over all queries in test collection.</a:t>
             </a:r>
           </a:p>
         </p:txBody>
@@ -6717,6 +6942,142 @@
               <a:t>Relevance example</a:t>
             </a:r>
             <a:endParaRPr lang="en-AU" dirty="0"/>
+          </a:p>
+        </p:txBody>
+      </p:sp>
+      <p:sp>
+        <p:nvSpPr>
+          <p:cNvPr id="4" name="TextBox 3"/>
+          <p:cNvSpPr txBox="1"/>
+          <p:nvPr/>
+        </p:nvSpPr>
+        <p:spPr>
+          <a:xfrm>
+            <a:off x="6390168" y="1469270"/>
+            <a:ext cx="2232837" cy="718145"/>
+          </a:xfrm>
+          <a:prstGeom prst="rect">
+            <a:avLst/>
+          </a:prstGeom>
+          <a:solidFill>
+            <a:schemeClr val="accent5">
+              <a:lumMod val="20000"/>
+              <a:lumOff val="80000"/>
+            </a:schemeClr>
+          </a:solidFill>
+          <a:ln w="12700" cap="flat">
+            <a:noFill/>
+            <a:miter lim="400000"/>
+          </a:ln>
+          <a:effectLst/>
+          <a:sp3d/>
+        </p:spPr>
+        <p:style>
+          <a:lnRef idx="0">
+            <a:scrgbClr r="0" g="0" b="0"/>
+          </a:lnRef>
+          <a:fillRef idx="0">
+            <a:scrgbClr r="0" g="0" b="0"/>
+          </a:fillRef>
+          <a:effectRef idx="0">
+            <a:scrgbClr r="0" g="0" b="0"/>
+          </a:effectRef>
+          <a:fontRef idx="none"/>
+        </p:style>
+        <p:txBody>
+          <a:bodyPr rot="0" spcFirstLastPara="1" vertOverflow="overflow" horzOverflow="overflow" vert="horz" wrap="square" lIns="50800" tIns="50800" rIns="50800" bIns="50800" numCol="1" spcCol="38100" rtlCol="0" anchor="ctr">
+            <a:spAutoFit/>
+          </a:bodyPr>
+          <a:lstStyle/>
+          <a:p>
+            <a:pPr marL="0" marR="0" indent="0" algn="l" defTabSz="584200" rtl="0" fontAlgn="auto" latinLnBrk="0" hangingPunct="0">
+              <a:lnSpc>
+                <a:spcPct val="100000"/>
+              </a:lnSpc>
+              <a:spcAft>
+                <a:spcPts val="0"/>
+              </a:spcAft>
+              <a:buClrTx/>
+              <a:buSzTx/>
+              <a:buFontTx/>
+              <a:buNone/>
+              <a:tabLst/>
+            </a:pPr>
+            <a:r>
+              <a:rPr lang="en-US" sz="2000" dirty="0" smtClean="0">
+                <a:solidFill>
+                  <a:srgbClr val="FF0000"/>
+                </a:solidFill>
+                <a:latin typeface="Avenir Next Medium"/>
+                <a:ea typeface="Avenir Next Medium"/>
+                <a:cs typeface="Avenir Next Medium"/>
+                <a:sym typeface="Avenir Next Medium"/>
+              </a:rPr>
+              <a:t>edited to correct</a:t>
+            </a:r>
+          </a:p>
+          <a:p>
+            <a:pPr marL="0" marR="0" indent="0" algn="l" defTabSz="584200" rtl="0" fontAlgn="auto" latinLnBrk="0" hangingPunct="0">
+              <a:lnSpc>
+                <a:spcPct val="100000"/>
+              </a:lnSpc>
+              <a:spcAft>
+                <a:spcPts val="0"/>
+              </a:spcAft>
+              <a:buClrTx/>
+              <a:buSzTx/>
+              <a:buFontTx/>
+              <a:buNone/>
+              <a:tabLst/>
+            </a:pPr>
+            <a:r>
+              <a:rPr kumimoji="0" lang="en-US" sz="2000" b="0" i="0" u="none" strike="noStrike" cap="none" spc="0" normalizeH="0" baseline="0" dirty="0" smtClean="0">
+                <a:ln>
+                  <a:noFill/>
+                </a:ln>
+                <a:solidFill>
+                  <a:srgbClr val="FF0000"/>
+                </a:solidFill>
+                <a:effectLst/>
+                <a:uFillTx/>
+                <a:latin typeface="Avenir Next Medium"/>
+                <a:ea typeface="Avenir Next Medium"/>
+                <a:cs typeface="Avenir Next Medium"/>
+                <a:sym typeface="Avenir Next Medium"/>
+              </a:rPr>
+              <a:t>error</a:t>
+            </a:r>
+            <a:r>
+              <a:rPr kumimoji="0" lang="en-US" sz="2000" b="0" i="0" u="none" strike="noStrike" cap="none" spc="0" normalizeH="0" dirty="0" smtClean="0">
+                <a:ln>
+                  <a:noFill/>
+                </a:ln>
+                <a:solidFill>
+                  <a:srgbClr val="FF0000"/>
+                </a:solidFill>
+                <a:effectLst/>
+                <a:uFillTx/>
+                <a:latin typeface="Avenir Next Medium"/>
+                <a:ea typeface="Avenir Next Medium"/>
+                <a:cs typeface="Avenir Next Medium"/>
+                <a:sym typeface="Avenir Next Medium"/>
+              </a:rPr>
+              <a:t> 5/5/17</a:t>
+            </a:r>
+            <a:endParaRPr kumimoji="0" lang="en-US" sz="2000" b="0" i="0" u="none" strike="noStrike" cap="none" spc="0" normalizeH="0" baseline="0" dirty="0">
+              <a:ln>
+                <a:noFill/>
+              </a:ln>
+              <a:solidFill>
+                <a:srgbClr val="FF0000"/>
+              </a:solidFill>
+              <a:effectLst/>
+              <a:uFillTx/>
+              <a:latin typeface="Avenir Next Medium"/>
+              <a:ea typeface="Avenir Next Medium"/>
+              <a:cs typeface="Avenir Next Medium"/>
+              <a:sym typeface="Avenir Next Medium"/>
+            </a:endParaRPr>
           </a:p>
         </p:txBody>
       </p:sp>
@@ -6800,11 +7161,11 @@
             </a:r>
             <a:r>
               <a:rPr lang="en-US" dirty="0" smtClean="0"/>
-              <a:t>, </a:t>
-            </a:r>
-            <a:r>
-              <a:rPr lang="en-US" dirty="0" smtClean="0"/>
-              <a:t>(M)AP, MRR </a:t>
+              <a:t>, (M)AP, </a:t>
+            </a:r>
+            <a:r>
+              <a:rPr lang="en-US" dirty="0" smtClean="0"/>
+              <a:t>(M)RR </a:t>
             </a:r>
             <a:r>
               <a:rPr lang="en-US" dirty="0" smtClean="0"/>
@@ -7587,11 +7948,7 @@
             <a:pPr lvl="1"/>
             <a:r>
               <a:rPr lang="en-US" dirty="0" smtClean="0"/>
-              <a:t>Zeros common with real data and large </a:t>
-            </a:r>
-            <a:r>
-              <a:rPr lang="en-US" dirty="0" smtClean="0"/>
-              <a:t>vocabularies</a:t>
+              <a:t>Zeros common with real data and large vocabularies</a:t>
             </a:r>
           </a:p>
           <a:p>
@@ -7600,7 +7957,6 @@
               <a:rPr lang="en-US" dirty="0" smtClean="0"/>
               <a:t>Also true of other weightings, e.g., log TF and TF*IDF </a:t>
             </a:r>
-            <a:endParaRPr lang="en-US" dirty="0" smtClean="0"/>
           </a:p>
           <a:p>
             <a:pPr marL="514350" indent="-514350">

--- a/slides/WSTA_L16_vsm_eval.pptx
+++ b/slides/WSTA_L16_vsm_eval.pptx
@@ -6463,7 +6463,23 @@
                   <a:srgbClr val="FF0000"/>
                 </a:solidFill>
               </a:rPr>
-              <a:t>where rank k is relevant</a:t>
+              <a:t>where rank </a:t>
+            </a:r>
+            <a:r>
+              <a:rPr lang="en-US" smtClean="0">
+                <a:solidFill>
+                  <a:srgbClr val="FF0000"/>
+                </a:solidFill>
+              </a:rPr>
+              <a:t>k item is </a:t>
+            </a:r>
+            <a:r>
+              <a:rPr lang="en-US" dirty="0" smtClean="0">
+                <a:solidFill>
+                  <a:srgbClr val="FF0000"/>
+                </a:solidFill>
+              </a:rPr>
+              <a:t>relevant</a:t>
             </a:r>
             <a:r>
               <a:rPr lang="en-US" dirty="0" smtClean="0"/>
@@ -6762,12 +6778,12 @@
         <p:spPr>
           <a:xfrm>
             <a:off x="389475" y="1469270"/>
-            <a:ext cx="8572500" cy="4746595"/>
+            <a:ext cx="8572500" cy="4995325"/>
           </a:xfrm>
         </p:spPr>
         <p:txBody>
           <a:bodyPr>
-            <a:normAutofit fontScale="92500" lnSpcReduction="10000"/>
+            <a:normAutofit fontScale="92500" lnSpcReduction="20000"/>
           </a:bodyPr>
           <a:lstStyle/>
           <a:p>
@@ -6858,7 +6874,30 @@
               </a:rPr>
               <a:t>1/3 *(P@1 + P@6 + P@8) = 0.57</a:t>
             </a:r>
-            <a:endParaRPr lang="en-AU" dirty="0" smtClean="0">
+            <a:br>
+              <a:rPr lang="en-AU" dirty="0" smtClean="0">
+                <a:solidFill>
+                  <a:srgbClr val="FF0000"/>
+                </a:solidFill>
+              </a:rPr>
+            </a:br>
+            <a:r>
+              <a:rPr lang="en-AU" dirty="0" smtClean="0">
+                <a:solidFill>
+                  <a:srgbClr val="FF0000"/>
+                </a:solidFill>
+              </a:rPr>
+              <a:t>		</a:t>
+            </a:r>
+            <a:r>
+              <a:rPr lang="en-AU" i="1" dirty="0" smtClean="0">
+                <a:solidFill>
+                  <a:srgbClr val="FF0000"/>
+                </a:solidFill>
+              </a:rPr>
+              <a:t>assuming only 3 docs are relevant, giving 1/3 scale</a:t>
+            </a:r>
+            <a:endParaRPr lang="en-AU" i="1" dirty="0" smtClean="0">
               <a:solidFill>
                 <a:srgbClr val="FF0000"/>
               </a:solidFill>
